--- a/json_scripts/Molecules_Figures.pptx
+++ b/json_scripts/Molecules_Figures.pptx
@@ -8,9 +8,10 @@
     <p:sldId id="256" r:id="rId2"/>
     <p:sldId id="257" r:id="rId3"/>
     <p:sldId id="258" r:id="rId4"/>
-    <p:sldId id="259" r:id="rId5"/>
-    <p:sldId id="261" r:id="rId6"/>
-    <p:sldId id="260" r:id="rId7"/>
+    <p:sldId id="262" r:id="rId5"/>
+    <p:sldId id="259" r:id="rId6"/>
+    <p:sldId id="261" r:id="rId7"/>
+    <p:sldId id="260" r:id="rId8"/>
   </p:sldIdLst>
   <p:sldSz cx="12192000" cy="6858000"/>
   <p:notesSz cx="6858000" cy="9144000"/>
@@ -264,7 +265,7 @@
           <a:p>
             <a:fld id="{DEB12F8E-F915-1A4B-822E-B932D383B8B3}" type="datetimeFigureOut">
               <a:rPr lang="en-US" smtClean="0"/>
-              <a:t>10/12/23</a:t>
+              <a:t>5/29/24</a:t>
             </a:fld>
             <a:endParaRPr lang="en-US"/>
           </a:p>
@@ -462,7 +463,7 @@
           <a:p>
             <a:fld id="{DEB12F8E-F915-1A4B-822E-B932D383B8B3}" type="datetimeFigureOut">
               <a:rPr lang="en-US" smtClean="0"/>
-              <a:t>10/12/23</a:t>
+              <a:t>5/29/24</a:t>
             </a:fld>
             <a:endParaRPr lang="en-US"/>
           </a:p>
@@ -670,7 +671,7 @@
           <a:p>
             <a:fld id="{DEB12F8E-F915-1A4B-822E-B932D383B8B3}" type="datetimeFigureOut">
               <a:rPr lang="en-US" smtClean="0"/>
-              <a:t>10/12/23</a:t>
+              <a:t>5/29/24</a:t>
             </a:fld>
             <a:endParaRPr lang="en-US"/>
           </a:p>
@@ -868,7 +869,7 @@
           <a:p>
             <a:fld id="{DEB12F8E-F915-1A4B-822E-B932D383B8B3}" type="datetimeFigureOut">
               <a:rPr lang="en-US" smtClean="0"/>
-              <a:t>10/12/23</a:t>
+              <a:t>5/29/24</a:t>
             </a:fld>
             <a:endParaRPr lang="en-US"/>
           </a:p>
@@ -1143,7 +1144,7 @@
           <a:p>
             <a:fld id="{DEB12F8E-F915-1A4B-822E-B932D383B8B3}" type="datetimeFigureOut">
               <a:rPr lang="en-US" smtClean="0"/>
-              <a:t>10/12/23</a:t>
+              <a:t>5/29/24</a:t>
             </a:fld>
             <a:endParaRPr lang="en-US"/>
           </a:p>
@@ -1408,7 +1409,7 @@
           <a:p>
             <a:fld id="{DEB12F8E-F915-1A4B-822E-B932D383B8B3}" type="datetimeFigureOut">
               <a:rPr lang="en-US" smtClean="0"/>
-              <a:t>10/12/23</a:t>
+              <a:t>5/29/24</a:t>
             </a:fld>
             <a:endParaRPr lang="en-US"/>
           </a:p>
@@ -1820,7 +1821,7 @@
           <a:p>
             <a:fld id="{DEB12F8E-F915-1A4B-822E-B932D383B8B3}" type="datetimeFigureOut">
               <a:rPr lang="en-US" smtClean="0"/>
-              <a:t>10/12/23</a:t>
+              <a:t>5/29/24</a:t>
             </a:fld>
             <a:endParaRPr lang="en-US"/>
           </a:p>
@@ -1961,7 +1962,7 @@
           <a:p>
             <a:fld id="{DEB12F8E-F915-1A4B-822E-B932D383B8B3}" type="datetimeFigureOut">
               <a:rPr lang="en-US" smtClean="0"/>
-              <a:t>10/12/23</a:t>
+              <a:t>5/29/24</a:t>
             </a:fld>
             <a:endParaRPr lang="en-US"/>
           </a:p>
@@ -2074,7 +2075,7 @@
           <a:p>
             <a:fld id="{DEB12F8E-F915-1A4B-822E-B932D383B8B3}" type="datetimeFigureOut">
               <a:rPr lang="en-US" smtClean="0"/>
-              <a:t>10/12/23</a:t>
+              <a:t>5/29/24</a:t>
             </a:fld>
             <a:endParaRPr lang="en-US"/>
           </a:p>
@@ -2385,7 +2386,7 @@
           <a:p>
             <a:fld id="{DEB12F8E-F915-1A4B-822E-B932D383B8B3}" type="datetimeFigureOut">
               <a:rPr lang="en-US" smtClean="0"/>
-              <a:t>10/12/23</a:t>
+              <a:t>5/29/24</a:t>
             </a:fld>
             <a:endParaRPr lang="en-US"/>
           </a:p>
@@ -2673,7 +2674,7 @@
           <a:p>
             <a:fld id="{DEB12F8E-F915-1A4B-822E-B932D383B8B3}" type="datetimeFigureOut">
               <a:rPr lang="en-US" smtClean="0"/>
-              <a:t>10/12/23</a:t>
+              <a:t>5/29/24</a:t>
             </a:fld>
             <a:endParaRPr lang="en-US"/>
           </a:p>
@@ -2914,7 +2915,7 @@
           <a:p>
             <a:fld id="{DEB12F8E-F915-1A4B-822E-B932D383B8B3}" type="datetimeFigureOut">
               <a:rPr lang="en-US" smtClean="0"/>
-              <a:t>10/12/23</a:t>
+              <a:t>5/29/24</a:t>
             </a:fld>
             <a:endParaRPr lang="en-US"/>
           </a:p>
@@ -5156,6 +5157,576 @@
           <p:nvPr/>
         </p:nvSpPr>
         <p:spPr>
+          <a:xfrm>
+            <a:off x="4611755" y="4890053"/>
+            <a:ext cx="3630907" cy="447260"/>
+          </a:xfrm>
+          <a:prstGeom prst="can">
+            <a:avLst>
+              <a:gd name="adj" fmla="val 50000"/>
+            </a:avLst>
+          </a:prstGeom>
+          <a:solidFill>
+            <a:schemeClr val="tx1">
+              <a:lumMod val="50000"/>
+              <a:lumOff val="50000"/>
+            </a:schemeClr>
+          </a:solidFill>
+          <a:ln>
+            <a:solidFill>
+              <a:schemeClr val="bg2">
+                <a:lumMod val="90000"/>
+              </a:schemeClr>
+            </a:solidFill>
+          </a:ln>
+        </p:spPr>
+        <p:style>
+          <a:lnRef idx="2">
+            <a:schemeClr val="accent1">
+              <a:shade val="15000"/>
+            </a:schemeClr>
+          </a:lnRef>
+          <a:fillRef idx="1">
+            <a:schemeClr val="accent1"/>
+          </a:fillRef>
+          <a:effectRef idx="0">
+            <a:schemeClr val="accent1"/>
+          </a:effectRef>
+          <a:fontRef idx="minor">
+            <a:schemeClr val="lt1"/>
+          </a:fontRef>
+        </p:style>
+        <p:txBody>
+          <a:bodyPr rtlCol="0" anchor="ctr"/>
+          <a:lstStyle/>
+          <a:p>
+            <a:pPr algn="ctr"/>
+            <a:endParaRPr lang="en-US"/>
+          </a:p>
+        </p:txBody>
+      </p:sp>
+      <p:sp>
+        <p:nvSpPr>
+          <p:cNvPr id="7" name="Can 6">
+            <a:extLst>
+              <a:ext uri="{FF2B5EF4-FFF2-40B4-BE49-F238E27FC236}">
+                <a16:creationId xmlns:a16="http://schemas.microsoft.com/office/drawing/2014/main" id="{B4260CFF-7A67-3928-4397-7922923F9446}"/>
+              </a:ext>
+            </a:extLst>
+          </p:cNvPr>
+          <p:cNvSpPr/>
+          <p:nvPr/>
+        </p:nvSpPr>
+        <p:spPr>
+          <a:xfrm>
+            <a:off x="4611755" y="2499692"/>
+            <a:ext cx="3539467" cy="447260"/>
+          </a:xfrm>
+          <a:prstGeom prst="can">
+            <a:avLst>
+              <a:gd name="adj" fmla="val 50000"/>
+            </a:avLst>
+          </a:prstGeom>
+          <a:solidFill>
+            <a:schemeClr val="tx1">
+              <a:lumMod val="50000"/>
+              <a:lumOff val="50000"/>
+            </a:schemeClr>
+          </a:solidFill>
+          <a:ln>
+            <a:solidFill>
+              <a:schemeClr val="bg2">
+                <a:lumMod val="90000"/>
+              </a:schemeClr>
+            </a:solidFill>
+          </a:ln>
+        </p:spPr>
+        <p:style>
+          <a:lnRef idx="2">
+            <a:schemeClr val="accent1">
+              <a:shade val="15000"/>
+            </a:schemeClr>
+          </a:lnRef>
+          <a:fillRef idx="1">
+            <a:schemeClr val="accent1"/>
+          </a:fillRef>
+          <a:effectRef idx="0">
+            <a:schemeClr val="accent1"/>
+          </a:effectRef>
+          <a:fontRef idx="minor">
+            <a:schemeClr val="lt1"/>
+          </a:fontRef>
+        </p:style>
+        <p:txBody>
+          <a:bodyPr rtlCol="0" anchor="ctr"/>
+          <a:lstStyle/>
+          <a:p>
+            <a:pPr algn="ctr"/>
+            <a:endParaRPr lang="en-US"/>
+          </a:p>
+        </p:txBody>
+      </p:sp>
+      <p:pic>
+        <p:nvPicPr>
+          <p:cNvPr id="25" name="Picture 24">
+            <a:extLst>
+              <a:ext uri="{FF2B5EF4-FFF2-40B4-BE49-F238E27FC236}">
+                <a16:creationId xmlns:a16="http://schemas.microsoft.com/office/drawing/2014/main" id="{67CA4643-03B7-BA8C-82EB-59F504B5E92E}"/>
+              </a:ext>
+            </a:extLst>
+          </p:cNvPr>
+          <p:cNvPicPr>
+            <a:picLocks noChangeAspect="1"/>
+          </p:cNvPicPr>
+          <p:nvPr/>
+        </p:nvPicPr>
+        <p:blipFill>
+          <a:blip r:embed="rId2"/>
+          <a:stretch>
+            <a:fillRect/>
+          </a:stretch>
+        </p:blipFill>
+        <p:spPr>
+          <a:xfrm>
+            <a:off x="3503716" y="4249141"/>
+            <a:ext cx="876876" cy="1088172"/>
+          </a:xfrm>
+          <a:prstGeom prst="rect">
+            <a:avLst/>
+          </a:prstGeom>
+        </p:spPr>
+      </p:pic>
+      <p:cxnSp>
+        <p:nvCxnSpPr>
+          <p:cNvPr id="26" name="Straight Arrow Connector 25">
+            <a:extLst>
+              <a:ext uri="{FF2B5EF4-FFF2-40B4-BE49-F238E27FC236}">
+                <a16:creationId xmlns:a16="http://schemas.microsoft.com/office/drawing/2014/main" id="{F596F902-E7BA-3B0C-EE0A-38F2D50B375F}"/>
+              </a:ext>
+            </a:extLst>
+          </p:cNvPr>
+          <p:cNvCxnSpPr>
+            <a:cxnSpLocks/>
+          </p:cNvCxnSpPr>
+          <p:nvPr/>
+        </p:nvCxnSpPr>
+        <p:spPr>
+          <a:xfrm>
+            <a:off x="7831181" y="3922040"/>
+            <a:ext cx="509451" cy="0"/>
+          </a:xfrm>
+          <a:prstGeom prst="straightConnector1">
+            <a:avLst/>
+          </a:prstGeom>
+          <a:ln w="60325">
+            <a:solidFill>
+              <a:schemeClr val="tx1"/>
+            </a:solidFill>
+            <a:tailEnd type="triangle"/>
+          </a:ln>
+          <a:effectLst>
+            <a:glow rad="127000">
+              <a:schemeClr val="accent6">
+                <a:lumMod val="60000"/>
+                <a:lumOff val="40000"/>
+              </a:schemeClr>
+            </a:glow>
+          </a:effectLst>
+        </p:spPr>
+        <p:style>
+          <a:lnRef idx="1">
+            <a:schemeClr val="dk1"/>
+          </a:lnRef>
+          <a:fillRef idx="0">
+            <a:schemeClr val="dk1"/>
+          </a:fillRef>
+          <a:effectRef idx="0">
+            <a:schemeClr val="dk1"/>
+          </a:effectRef>
+          <a:fontRef idx="minor">
+            <a:schemeClr val="tx1"/>
+          </a:fontRef>
+        </p:style>
+      </p:cxnSp>
+      <mc:AlternateContent xmlns:mc="http://schemas.openxmlformats.org/markup-compatibility/2006" xmlns:a14="http://schemas.microsoft.com/office/drawing/2010/main">
+        <mc:Choice Requires="a14">
+          <p:sp>
+            <p:nvSpPr>
+              <p:cNvPr id="27" name="TextBox 26">
+                <a:extLst>
+                  <a:ext uri="{FF2B5EF4-FFF2-40B4-BE49-F238E27FC236}">
+                    <a16:creationId xmlns:a16="http://schemas.microsoft.com/office/drawing/2014/main" id="{5ACE1BE0-E2D3-2809-1DBC-2ED531C17F7D}"/>
+                  </a:ext>
+                </a:extLst>
+              </p:cNvPr>
+              <p:cNvSpPr txBox="1"/>
+              <p:nvPr/>
+            </p:nvSpPr>
+            <p:spPr>
+              <a:xfrm>
+                <a:off x="7906997" y="3326475"/>
+                <a:ext cx="283411" cy="430887"/>
+              </a:xfrm>
+              <a:prstGeom prst="rect">
+                <a:avLst/>
+              </a:prstGeom>
+              <a:noFill/>
+            </p:spPr>
+            <p:txBody>
+              <a:bodyPr wrap="square" lIns="0" tIns="0" rIns="0" bIns="0" rtlCol="0">
+                <a:spAutoFit/>
+              </a:bodyPr>
+              <a:lstStyle/>
+              <a:p>
+                <a:pPr/>
+                <a14:m>
+                  <m:oMathPara xmlns:m="http://schemas.openxmlformats.org/officeDocument/2006/math">
+                    <m:oMathParaPr>
+                      <m:jc m:val="centerGroup"/>
+                    </m:oMathParaPr>
+                    <m:oMath xmlns:m="http://schemas.openxmlformats.org/officeDocument/2006/math">
+                      <m:acc>
+                        <m:accPr>
+                          <m:chr m:val="̂"/>
+                          <m:ctrlPr>
+                            <a:rPr lang="en-US" sz="2800" b="0" i="1" smtClean="0">
+                              <a:latin typeface="Cambria Math" panose="02040503050406030204" pitchFamily="18" charset="0"/>
+                            </a:rPr>
+                          </m:ctrlPr>
+                        </m:accPr>
+                        <m:e>
+                          <m:r>
+                            <a:rPr lang="en-US" sz="2800" b="0" i="1" smtClean="0">
+                              <a:latin typeface="Cambria Math" panose="02040503050406030204" pitchFamily="18" charset="0"/>
+                            </a:rPr>
+                            <m:t>𝑒</m:t>
+                          </m:r>
+                        </m:e>
+                      </m:acc>
+                    </m:oMath>
+                  </m:oMathPara>
+                </a14:m>
+                <a:endParaRPr lang="en-US" sz="2800" dirty="0"/>
+              </a:p>
+            </p:txBody>
+          </p:sp>
+        </mc:Choice>
+        <mc:Fallback xmlns="">
+          <p:sp>
+            <p:nvSpPr>
+              <p:cNvPr id="27" name="TextBox 26">
+                <a:extLst>
+                  <a:ext uri="{FF2B5EF4-FFF2-40B4-BE49-F238E27FC236}">
+                    <a16:creationId xmlns:a16="http://schemas.microsoft.com/office/drawing/2014/main" id="{5ACE1BE0-E2D3-2809-1DBC-2ED531C17F7D}"/>
+                  </a:ext>
+                </a:extLst>
+              </p:cNvPr>
+              <p:cNvSpPr txBox="1">
+                <a:spLocks noRot="1" noChangeAspect="1" noMove="1" noResize="1" noEditPoints="1" noAdjustHandles="1" noChangeArrowheads="1" noChangeShapeType="1" noTextEdit="1"/>
+              </p:cNvSpPr>
+              <p:nvPr/>
+            </p:nvSpPr>
+            <p:spPr>
+              <a:xfrm>
+                <a:off x="7906997" y="3326475"/>
+                <a:ext cx="283411" cy="430887"/>
+              </a:xfrm>
+              <a:prstGeom prst="rect">
+                <a:avLst/>
+              </a:prstGeom>
+              <a:blipFill>
+                <a:blip r:embed="rId4"/>
+                <a:stretch>
+                  <a:fillRect l="-12500" t="-20588" r="-16667"/>
+                </a:stretch>
+              </a:blipFill>
+            </p:spPr>
+            <p:txBody>
+              <a:bodyPr/>
+              <a:lstStyle/>
+              <a:p>
+                <a:r>
+                  <a:rPr lang="en-US">
+                    <a:noFill/>
+                  </a:rPr>
+                  <a:t> </a:t>
+                </a:r>
+              </a:p>
+            </p:txBody>
+          </p:sp>
+        </mc:Fallback>
+      </mc:AlternateContent>
+      <mc:AlternateContent xmlns:mc="http://schemas.openxmlformats.org/markup-compatibility/2006">
+        <mc:Choice xmlns:a14="http://schemas.microsoft.com/office/drawing/2010/main" Requires="a14">
+          <p:sp>
+            <p:nvSpPr>
+              <p:cNvPr id="3" name="TextBox 2">
+                <a:extLst>
+                  <a:ext uri="{FF2B5EF4-FFF2-40B4-BE49-F238E27FC236}">
+                    <a16:creationId xmlns:a16="http://schemas.microsoft.com/office/drawing/2014/main" id="{E3F6EACA-A78E-DAB5-F8B5-39D8E5AD73BA}"/>
+                  </a:ext>
+                </a:extLst>
+              </p:cNvPr>
+              <p:cNvSpPr txBox="1"/>
+              <p:nvPr/>
+            </p:nvSpPr>
+            <p:spPr>
+              <a:xfrm>
+                <a:off x="4901879" y="2081464"/>
+                <a:ext cx="3005118" cy="276999"/>
+              </a:xfrm>
+              <a:prstGeom prst="rect">
+                <a:avLst/>
+              </a:prstGeom>
+              <a:noFill/>
+            </p:spPr>
+            <p:txBody>
+              <a:bodyPr wrap="none" lIns="0" tIns="0" rIns="0" bIns="0" rtlCol="0">
+                <a:spAutoFit/>
+              </a:bodyPr>
+              <a:lstStyle/>
+              <a:p>
+                <a:pPr/>
+                <a14:m>
+                  <m:oMathPara xmlns:m="http://schemas.openxmlformats.org/officeDocument/2006/math">
+                    <m:oMathParaPr>
+                      <m:jc m:val="centerGroup"/>
+                    </m:oMathParaPr>
+                    <m:oMath xmlns:m="http://schemas.openxmlformats.org/officeDocument/2006/math">
+                      <m:r>
+                        <a:rPr lang="en-US" b="0" i="1" smtClean="0">
+                          <a:latin typeface="Cambria Math" panose="02040503050406030204" pitchFamily="18" charset="0"/>
+                        </a:rPr>
+                        <m:t>ℏ</m:t>
+                      </m:r>
+                      <m:r>
+                        <a:rPr lang="en-US" b="0" i="1" smtClean="0">
+                          <a:latin typeface="Cambria Math" panose="02040503050406030204" pitchFamily="18" charset="0"/>
+                        </a:rPr>
+                        <m:t>𝜔</m:t>
+                      </m:r>
+                      <m:r>
+                        <a:rPr lang="en-US" b="0" i="1" smtClean="0">
+                          <a:latin typeface="Cambria Math" panose="02040503050406030204" pitchFamily="18" charset="0"/>
+                        </a:rPr>
+                        <m:t>=26 </m:t>
+                      </m:r>
+                      <m:r>
+                        <a:rPr lang="en-US" b="0" i="1" smtClean="0">
+                          <a:latin typeface="Cambria Math" panose="02040503050406030204" pitchFamily="18" charset="0"/>
+                        </a:rPr>
+                        <m:t>𝑒𝑉</m:t>
+                      </m:r>
+                      <m:r>
+                        <a:rPr lang="en-US" b="0" i="1" smtClean="0">
+                          <a:latin typeface="Cambria Math" panose="02040503050406030204" pitchFamily="18" charset="0"/>
+                        </a:rPr>
+                        <m:t>, </m:t>
+                      </m:r>
+                      <m:r>
+                        <a:rPr lang="en-US" b="1" i="0" smtClean="0">
+                          <a:latin typeface="Cambria Math" panose="02040503050406030204" pitchFamily="18" charset="0"/>
+                        </a:rPr>
+                        <m:t>𝛌</m:t>
+                      </m:r>
+                      <m:r>
+                        <a:rPr lang="en-US" b="0" i="1" smtClean="0">
+                          <a:latin typeface="Cambria Math" panose="02040503050406030204" pitchFamily="18" charset="0"/>
+                        </a:rPr>
+                        <m:t>=</m:t>
+                      </m:r>
+                      <m:d>
+                        <m:dPr>
+                          <m:ctrlPr>
+                            <a:rPr lang="en-US" b="0" i="1" smtClean="0">
+                              <a:latin typeface="Cambria Math" panose="02040503050406030204" pitchFamily="18" charset="0"/>
+                            </a:rPr>
+                          </m:ctrlPr>
+                        </m:dPr>
+                        <m:e>
+                          <m:r>
+                            <a:rPr lang="en-US" b="0" i="1" smtClean="0">
+                              <a:latin typeface="Cambria Math" panose="02040503050406030204" pitchFamily="18" charset="0"/>
+                            </a:rPr>
+                            <m:t>0, 0, </m:t>
+                          </m:r>
+                          <m:sSub>
+                            <m:sSubPr>
+                              <m:ctrlPr>
+                                <a:rPr lang="en-US" b="0" i="1" smtClean="0">
+                                  <a:latin typeface="Cambria Math" panose="02040503050406030204" pitchFamily="18" charset="0"/>
+                                </a:rPr>
+                              </m:ctrlPr>
+                            </m:sSubPr>
+                            <m:e>
+                              <m:r>
+                                <a:rPr lang="en-US" b="0" i="1" smtClean="0">
+                                  <a:latin typeface="Cambria Math" panose="02040503050406030204" pitchFamily="18" charset="0"/>
+                                </a:rPr>
+                                <m:t>𝜆</m:t>
+                              </m:r>
+                            </m:e>
+                            <m:sub>
+                              <m:r>
+                                <a:rPr lang="en-US" b="0" i="1" smtClean="0">
+                                  <a:latin typeface="Cambria Math" panose="02040503050406030204" pitchFamily="18" charset="0"/>
+                                </a:rPr>
+                                <m:t>𝑧</m:t>
+                              </m:r>
+                            </m:sub>
+                          </m:sSub>
+                        </m:e>
+                      </m:d>
+                      <m:r>
+                        <a:rPr lang="en-US" b="0" i="1" smtClean="0">
+                          <a:latin typeface="Cambria Math" panose="02040503050406030204" pitchFamily="18" charset="0"/>
+                        </a:rPr>
+                        <m:t>𝑎</m:t>
+                      </m:r>
+                      <m:r>
+                        <a:rPr lang="en-US" b="0" i="1" smtClean="0">
+                          <a:latin typeface="Cambria Math" panose="02040503050406030204" pitchFamily="18" charset="0"/>
+                        </a:rPr>
+                        <m:t>.</m:t>
+                      </m:r>
+                      <m:r>
+                        <a:rPr lang="en-US" b="0" i="1" smtClean="0">
+                          <a:latin typeface="Cambria Math" panose="02040503050406030204" pitchFamily="18" charset="0"/>
+                        </a:rPr>
+                        <m:t>𝑢</m:t>
+                      </m:r>
+                      <m:r>
+                        <a:rPr lang="en-US" b="0" i="1" smtClean="0">
+                          <a:latin typeface="Cambria Math" panose="02040503050406030204" pitchFamily="18" charset="0"/>
+                        </a:rPr>
+                        <m:t>.</m:t>
+                      </m:r>
+                    </m:oMath>
+                  </m:oMathPara>
+                </a14:m>
+                <a:endParaRPr lang="en-US" dirty="0"/>
+              </a:p>
+            </p:txBody>
+          </p:sp>
+        </mc:Choice>
+        <mc:Fallback>
+          <p:sp>
+            <p:nvSpPr>
+              <p:cNvPr id="3" name="TextBox 2">
+                <a:extLst>
+                  <a:ext uri="{FF2B5EF4-FFF2-40B4-BE49-F238E27FC236}">
+                    <a16:creationId xmlns:a16="http://schemas.microsoft.com/office/drawing/2014/main" id="{E3F6EACA-A78E-DAB5-F8B5-39D8E5AD73BA}"/>
+                  </a:ext>
+                </a:extLst>
+              </p:cNvPr>
+              <p:cNvSpPr txBox="1">
+                <a:spLocks noRot="1" noChangeAspect="1" noMove="1" noResize="1" noEditPoints="1" noAdjustHandles="1" noChangeArrowheads="1" noChangeShapeType="1" noTextEdit="1"/>
+              </p:cNvSpPr>
+              <p:nvPr/>
+            </p:nvSpPr>
+            <p:spPr>
+              <a:xfrm>
+                <a:off x="4901879" y="2081464"/>
+                <a:ext cx="3005118" cy="276999"/>
+              </a:xfrm>
+              <a:prstGeom prst="rect">
+                <a:avLst/>
+              </a:prstGeom>
+              <a:blipFill>
+                <a:blip r:embed="rId5"/>
+                <a:stretch>
+                  <a:fillRect l="-1261" t="-4348" b="-34783"/>
+                </a:stretch>
+              </a:blipFill>
+            </p:spPr>
+            <p:txBody>
+              <a:bodyPr/>
+              <a:lstStyle/>
+              <a:p>
+                <a:r>
+                  <a:rPr lang="en-US">
+                    <a:noFill/>
+                  </a:rPr>
+                  <a:t> </a:t>
+                </a:r>
+              </a:p>
+            </p:txBody>
+          </p:sp>
+        </mc:Fallback>
+      </mc:AlternateContent>
+      <p:pic>
+        <p:nvPicPr>
+          <p:cNvPr id="4" name="Picture 3">
+            <a:extLst>
+              <a:ext uri="{FF2B5EF4-FFF2-40B4-BE49-F238E27FC236}">
+                <a16:creationId xmlns:a16="http://schemas.microsoft.com/office/drawing/2014/main" id="{D2C65D79-9477-7685-BA98-1BF146171C38}"/>
+              </a:ext>
+            </a:extLst>
+          </p:cNvPr>
+          <p:cNvPicPr>
+            <a:picLocks noChangeAspect="1"/>
+          </p:cNvPicPr>
+          <p:nvPr/>
+        </p:nvPicPr>
+        <p:blipFill>
+          <a:blip r:embed="rId6"/>
+          <a:stretch>
+            <a:fillRect/>
+          </a:stretch>
+        </p:blipFill>
+        <p:spPr>
+          <a:xfrm rot="10800000">
+            <a:off x="5469324" y="3302052"/>
+            <a:ext cx="1915768" cy="1193884"/>
+          </a:xfrm>
+          <a:prstGeom prst="rect">
+            <a:avLst/>
+          </a:prstGeom>
+        </p:spPr>
+      </p:pic>
+    </p:spTree>
+    <p:extLst>
+      <p:ext uri="{BB962C8B-B14F-4D97-AF65-F5344CB8AC3E}">
+        <p14:creationId xmlns:p14="http://schemas.microsoft.com/office/powerpoint/2010/main" val="3462997388"/>
+      </p:ext>
+    </p:extLst>
+  </p:cSld>
+  <p:clrMapOvr>
+    <a:masterClrMapping/>
+  </p:clrMapOvr>
+</p:sld>
+</file>
+
+<file path=ppt/slides/slide5.xml><?xml version="1.0" encoding="utf-8"?>
+<p:sld xmlns:a="http://schemas.openxmlformats.org/drawingml/2006/main" xmlns:r="http://schemas.openxmlformats.org/officeDocument/2006/relationships" xmlns:p="http://schemas.openxmlformats.org/presentationml/2006/main">
+  <p:cSld>
+    <p:spTree>
+      <p:nvGrpSpPr>
+        <p:cNvPr id="1" name=""/>
+        <p:cNvGrpSpPr/>
+        <p:nvPr/>
+      </p:nvGrpSpPr>
+      <p:grpSpPr>
+        <a:xfrm>
+          <a:off x="0" y="0"/>
+          <a:ext cx="0" cy="0"/>
+          <a:chOff x="0" y="0"/>
+          <a:chExt cx="0" cy="0"/>
+        </a:xfrm>
+      </p:grpSpPr>
+      <p:sp>
+        <p:nvSpPr>
+          <p:cNvPr id="5" name="Can 4">
+            <a:extLst>
+              <a:ext uri="{FF2B5EF4-FFF2-40B4-BE49-F238E27FC236}">
+                <a16:creationId xmlns:a16="http://schemas.microsoft.com/office/drawing/2014/main" id="{E281CF1B-2FDF-7F55-47FC-BB220172291F}"/>
+              </a:ext>
+            </a:extLst>
+          </p:cNvPr>
+          <p:cNvSpPr/>
+          <p:nvPr/>
+        </p:nvSpPr>
+        <p:spPr>
           <a:xfrm rot="16200000">
             <a:off x="5411923" y="3205369"/>
             <a:ext cx="3630907" cy="447260"/>
@@ -5708,7 +6279,7 @@
 </p:sld>
 </file>
 
-<file path=ppt/slides/slide5.xml><?xml version="1.0" encoding="utf-8"?>
+<file path=ppt/slides/slide6.xml><?xml version="1.0" encoding="utf-8"?>
 <p:sld xmlns:a="http://schemas.openxmlformats.org/drawingml/2006/main" xmlns:r="http://schemas.openxmlformats.org/officeDocument/2006/relationships" xmlns:p="http://schemas.openxmlformats.org/presentationml/2006/main">
   <p:cSld>
     <p:spTree>
@@ -5899,8 +6470,8 @@
           </a:fontRef>
         </p:style>
       </p:cxnSp>
-      <mc:AlternateContent xmlns:mc="http://schemas.openxmlformats.org/markup-compatibility/2006">
-        <mc:Choice xmlns:a14="http://schemas.microsoft.com/office/drawing/2010/main" Requires="a14">
+      <mc:AlternateContent xmlns:mc="http://schemas.openxmlformats.org/markup-compatibility/2006" xmlns:a14="http://schemas.microsoft.com/office/drawing/2010/main">
+        <mc:Choice Requires="a14">
           <p:sp>
             <p:nvSpPr>
               <p:cNvPr id="27" name="TextBox 26">
@@ -5962,7 +6533,7 @@
             </p:txBody>
           </p:sp>
         </mc:Choice>
-        <mc:Fallback>
+        <mc:Fallback xmlns="">
           <p:sp>
             <p:nvSpPr>
               <p:cNvPr id="27" name="TextBox 26">
@@ -6007,8 +6578,8 @@
           </p:sp>
         </mc:Fallback>
       </mc:AlternateContent>
-      <mc:AlternateContent xmlns:mc="http://schemas.openxmlformats.org/markup-compatibility/2006">
-        <mc:Choice xmlns:a14="http://schemas.microsoft.com/office/drawing/2010/main" Requires="a14">
+      <mc:AlternateContent xmlns:mc="http://schemas.openxmlformats.org/markup-compatibility/2006" xmlns:a14="http://schemas.microsoft.com/office/drawing/2010/main">
+        <mc:Choice Requires="a14">
           <p:sp>
             <p:nvSpPr>
               <p:cNvPr id="4" name="TextBox 3">
@@ -6172,7 +6743,7 @@
             </p:txBody>
           </p:sp>
         </mc:Choice>
-        <mc:Fallback>
+        <mc:Fallback xmlns="">
           <p:sp>
             <p:nvSpPr>
               <p:cNvPr id="4" name="TextBox 3">
@@ -6380,8 +6951,8 @@
           </a:fontRef>
         </p:style>
       </p:cxnSp>
-      <mc:AlternateContent xmlns:mc="http://schemas.openxmlformats.org/markup-compatibility/2006">
-        <mc:Choice xmlns:a14="http://schemas.microsoft.com/office/drawing/2010/main" Requires="a14">
+      <mc:AlternateContent xmlns:mc="http://schemas.openxmlformats.org/markup-compatibility/2006" xmlns:a14="http://schemas.microsoft.com/office/drawing/2010/main">
+        <mc:Choice Requires="a14">
           <p:sp>
             <p:nvSpPr>
               <p:cNvPr id="10" name="TextBox 9">
@@ -6443,7 +7014,7 @@
             </p:txBody>
           </p:sp>
         </mc:Choice>
-        <mc:Fallback>
+        <mc:Fallback xmlns="">
           <p:sp>
             <p:nvSpPr>
               <p:cNvPr id="10" name="TextBox 9">
@@ -6488,8 +7059,8 @@
           </p:sp>
         </mc:Fallback>
       </mc:AlternateContent>
-      <mc:AlternateContent xmlns:mc="http://schemas.openxmlformats.org/markup-compatibility/2006">
-        <mc:Choice xmlns:a14="http://schemas.microsoft.com/office/drawing/2010/main" Requires="a14">
+      <mc:AlternateContent xmlns:mc="http://schemas.openxmlformats.org/markup-compatibility/2006" xmlns:a14="http://schemas.microsoft.com/office/drawing/2010/main">
+        <mc:Choice Requires="a14">
           <p:sp>
             <p:nvSpPr>
               <p:cNvPr id="11" name="TextBox 10">
@@ -6551,7 +7122,7 @@
             </p:txBody>
           </p:sp>
         </mc:Choice>
-        <mc:Fallback>
+        <mc:Fallback xmlns="">
           <p:sp>
             <p:nvSpPr>
               <p:cNvPr id="11" name="TextBox 10">
@@ -6596,8 +7167,8 @@
           </p:sp>
         </mc:Fallback>
       </mc:AlternateContent>
-      <mc:AlternateContent xmlns:mc="http://schemas.openxmlformats.org/markup-compatibility/2006">
-        <mc:Choice xmlns:a14="http://schemas.microsoft.com/office/drawing/2010/main" Requires="a14">
+      <mc:AlternateContent xmlns:mc="http://schemas.openxmlformats.org/markup-compatibility/2006" xmlns:a14="http://schemas.microsoft.com/office/drawing/2010/main">
+        <mc:Choice Requires="a14">
           <p:sp>
             <p:nvSpPr>
               <p:cNvPr id="12" name="TextBox 11">
@@ -6659,7 +7230,7 @@
             </p:txBody>
           </p:sp>
         </mc:Choice>
-        <mc:Fallback>
+        <mc:Fallback xmlns="">
           <p:sp>
             <p:nvSpPr>
               <p:cNvPr id="12" name="TextBox 11">
@@ -6717,7 +7288,7 @@
 </p:sld>
 </file>
 
-<file path=ppt/slides/slide6.xml><?xml version="1.0" encoding="utf-8"?>
+<file path=ppt/slides/slide7.xml><?xml version="1.0" encoding="utf-8"?>
 <p:sld xmlns:a="http://schemas.openxmlformats.org/drawingml/2006/main" xmlns:r="http://schemas.openxmlformats.org/officeDocument/2006/relationships" xmlns:p="http://schemas.openxmlformats.org/presentationml/2006/main">
   <p:cSld>
     <p:spTree>

--- a/json_scripts/Molecules_Figures.pptx
+++ b/json_scripts/Molecules_Figures.pptx
@@ -12,6 +12,7 @@
     <p:sldId id="259" r:id="rId6"/>
     <p:sldId id="261" r:id="rId7"/>
     <p:sldId id="260" r:id="rId8"/>
+    <p:sldId id="263" r:id="rId9"/>
   </p:sldIdLst>
   <p:sldSz cx="12192000" cy="6858000"/>
   <p:notesSz cx="6858000" cy="9144000"/>
@@ -265,7 +266,7 @@
           <a:p>
             <a:fld id="{DEB12F8E-F915-1A4B-822E-B932D383B8B3}" type="datetimeFigureOut">
               <a:rPr lang="en-US" smtClean="0"/>
-              <a:t>5/29/24</a:t>
+              <a:t>7/3/24</a:t>
             </a:fld>
             <a:endParaRPr lang="en-US"/>
           </a:p>
@@ -463,7 +464,7 @@
           <a:p>
             <a:fld id="{DEB12F8E-F915-1A4B-822E-B932D383B8B3}" type="datetimeFigureOut">
               <a:rPr lang="en-US" smtClean="0"/>
-              <a:t>5/29/24</a:t>
+              <a:t>7/3/24</a:t>
             </a:fld>
             <a:endParaRPr lang="en-US"/>
           </a:p>
@@ -671,7 +672,7 @@
           <a:p>
             <a:fld id="{DEB12F8E-F915-1A4B-822E-B932D383B8B3}" type="datetimeFigureOut">
               <a:rPr lang="en-US" smtClean="0"/>
-              <a:t>5/29/24</a:t>
+              <a:t>7/3/24</a:t>
             </a:fld>
             <a:endParaRPr lang="en-US"/>
           </a:p>
@@ -869,7 +870,7 @@
           <a:p>
             <a:fld id="{DEB12F8E-F915-1A4B-822E-B932D383B8B3}" type="datetimeFigureOut">
               <a:rPr lang="en-US" smtClean="0"/>
-              <a:t>5/29/24</a:t>
+              <a:t>7/3/24</a:t>
             </a:fld>
             <a:endParaRPr lang="en-US"/>
           </a:p>
@@ -1144,7 +1145,7 @@
           <a:p>
             <a:fld id="{DEB12F8E-F915-1A4B-822E-B932D383B8B3}" type="datetimeFigureOut">
               <a:rPr lang="en-US" smtClean="0"/>
-              <a:t>5/29/24</a:t>
+              <a:t>7/3/24</a:t>
             </a:fld>
             <a:endParaRPr lang="en-US"/>
           </a:p>
@@ -1409,7 +1410,7 @@
           <a:p>
             <a:fld id="{DEB12F8E-F915-1A4B-822E-B932D383B8B3}" type="datetimeFigureOut">
               <a:rPr lang="en-US" smtClean="0"/>
-              <a:t>5/29/24</a:t>
+              <a:t>7/3/24</a:t>
             </a:fld>
             <a:endParaRPr lang="en-US"/>
           </a:p>
@@ -1821,7 +1822,7 @@
           <a:p>
             <a:fld id="{DEB12F8E-F915-1A4B-822E-B932D383B8B3}" type="datetimeFigureOut">
               <a:rPr lang="en-US" smtClean="0"/>
-              <a:t>5/29/24</a:t>
+              <a:t>7/3/24</a:t>
             </a:fld>
             <a:endParaRPr lang="en-US"/>
           </a:p>
@@ -1962,7 +1963,7 @@
           <a:p>
             <a:fld id="{DEB12F8E-F915-1A4B-822E-B932D383B8B3}" type="datetimeFigureOut">
               <a:rPr lang="en-US" smtClean="0"/>
-              <a:t>5/29/24</a:t>
+              <a:t>7/3/24</a:t>
             </a:fld>
             <a:endParaRPr lang="en-US"/>
           </a:p>
@@ -2075,7 +2076,7 @@
           <a:p>
             <a:fld id="{DEB12F8E-F915-1A4B-822E-B932D383B8B3}" type="datetimeFigureOut">
               <a:rPr lang="en-US" smtClean="0"/>
-              <a:t>5/29/24</a:t>
+              <a:t>7/3/24</a:t>
             </a:fld>
             <a:endParaRPr lang="en-US"/>
           </a:p>
@@ -2386,7 +2387,7 @@
           <a:p>
             <a:fld id="{DEB12F8E-F915-1A4B-822E-B932D383B8B3}" type="datetimeFigureOut">
               <a:rPr lang="en-US" smtClean="0"/>
-              <a:t>5/29/24</a:t>
+              <a:t>7/3/24</a:t>
             </a:fld>
             <a:endParaRPr lang="en-US"/>
           </a:p>
@@ -2674,7 +2675,7 @@
           <a:p>
             <a:fld id="{DEB12F8E-F915-1A4B-822E-B932D383B8B3}" type="datetimeFigureOut">
               <a:rPr lang="en-US" smtClean="0"/>
-              <a:t>5/29/24</a:t>
+              <a:t>7/3/24</a:t>
             </a:fld>
             <a:endParaRPr lang="en-US"/>
           </a:p>
@@ -2915,7 +2916,7 @@
           <a:p>
             <a:fld id="{DEB12F8E-F915-1A4B-822E-B932D383B8B3}" type="datetimeFigureOut">
               <a:rPr lang="en-US" smtClean="0"/>
-              <a:t>5/29/24</a:t>
+              <a:t>7/3/24</a:t>
             </a:fld>
             <a:endParaRPr lang="en-US"/>
           </a:p>
@@ -5456,8 +5457,8 @@
           </p:sp>
         </mc:Fallback>
       </mc:AlternateContent>
-      <mc:AlternateContent xmlns:mc="http://schemas.openxmlformats.org/markup-compatibility/2006">
-        <mc:Choice xmlns:a14="http://schemas.microsoft.com/office/drawing/2010/main" Requires="a14">
+      <mc:AlternateContent xmlns:mc="http://schemas.openxmlformats.org/markup-compatibility/2006" xmlns:a14="http://schemas.microsoft.com/office/drawing/2010/main">
+        <mc:Choice Requires="a14">
           <p:sp>
             <p:nvSpPr>
               <p:cNvPr id="3" name="TextBox 2">
@@ -5609,7 +5610,7 @@
             </p:txBody>
           </p:sp>
         </mc:Choice>
-        <mc:Fallback>
+        <mc:Fallback xmlns="">
           <p:sp>
             <p:nvSpPr>
               <p:cNvPr id="3" name="TextBox 2">
@@ -7745,6 +7746,463 @@
 </p:sld>
 </file>
 
+<file path=ppt/slides/slide8.xml><?xml version="1.0" encoding="utf-8"?>
+<p:sld xmlns:a="http://schemas.openxmlformats.org/drawingml/2006/main" xmlns:r="http://schemas.openxmlformats.org/officeDocument/2006/relationships" xmlns:p="http://schemas.openxmlformats.org/presentationml/2006/main">
+  <p:cSld>
+    <p:spTree>
+      <p:nvGrpSpPr>
+        <p:cNvPr id="1" name=""/>
+        <p:cNvGrpSpPr/>
+        <p:nvPr/>
+      </p:nvGrpSpPr>
+      <p:grpSpPr>
+        <a:xfrm>
+          <a:off x="0" y="0"/>
+          <a:ext cx="0" cy="0"/>
+          <a:chOff x="0" y="0"/>
+          <a:chExt cx="0" cy="0"/>
+        </a:xfrm>
+      </p:grpSpPr>
+      <p:pic>
+        <p:nvPicPr>
+          <p:cNvPr id="4" name="Picture 3">
+            <a:extLst>
+              <a:ext uri="{FF2B5EF4-FFF2-40B4-BE49-F238E27FC236}">
+                <a16:creationId xmlns:a16="http://schemas.microsoft.com/office/drawing/2014/main" id="{06764C22-8E62-8968-D498-F6629ED209BE}"/>
+              </a:ext>
+            </a:extLst>
+          </p:cNvPr>
+          <p:cNvPicPr>
+            <a:picLocks noChangeAspect="1"/>
+          </p:cNvPicPr>
+          <p:nvPr/>
+        </p:nvPicPr>
+        <p:blipFill>
+          <a:blip r:embed="rId2"/>
+          <a:stretch>
+            <a:fillRect/>
+          </a:stretch>
+        </p:blipFill>
+        <p:spPr>
+          <a:xfrm>
+            <a:off x="3935083" y="2058950"/>
+            <a:ext cx="1079500" cy="571500"/>
+          </a:xfrm>
+          <a:prstGeom prst="rect">
+            <a:avLst/>
+          </a:prstGeom>
+        </p:spPr>
+      </p:pic>
+      <p:cxnSp>
+        <p:nvCxnSpPr>
+          <p:cNvPr id="5" name="Straight Arrow Connector 4">
+            <a:extLst>
+              <a:ext uri="{FF2B5EF4-FFF2-40B4-BE49-F238E27FC236}">
+                <a16:creationId xmlns:a16="http://schemas.microsoft.com/office/drawing/2014/main" id="{C664C30B-83D9-A666-2674-7C455264CD57}"/>
+              </a:ext>
+            </a:extLst>
+          </p:cNvPr>
+          <p:cNvCxnSpPr>
+            <a:cxnSpLocks/>
+          </p:cNvCxnSpPr>
+          <p:nvPr/>
+        </p:nvCxnSpPr>
+        <p:spPr>
+          <a:xfrm>
+            <a:off x="5135597" y="2344700"/>
+            <a:ext cx="2155371" cy="0"/>
+          </a:xfrm>
+          <a:prstGeom prst="straightConnector1">
+            <a:avLst/>
+          </a:prstGeom>
+          <a:ln w="60325">
+            <a:solidFill>
+              <a:srgbClr val="FF0000"/>
+            </a:solidFill>
+            <a:prstDash val="sysDot"/>
+            <a:tailEnd type="triangle"/>
+          </a:ln>
+        </p:spPr>
+        <p:style>
+          <a:lnRef idx="1">
+            <a:schemeClr val="dk1"/>
+          </a:lnRef>
+          <a:fillRef idx="0">
+            <a:schemeClr val="dk1"/>
+          </a:fillRef>
+          <a:effectRef idx="0">
+            <a:schemeClr val="dk1"/>
+          </a:effectRef>
+          <a:fontRef idx="minor">
+            <a:schemeClr val="tx1"/>
+          </a:fontRef>
+        </p:style>
+      </p:cxnSp>
+      <p:sp>
+        <p:nvSpPr>
+          <p:cNvPr id="6" name="Can 5">
+            <a:extLst>
+              <a:ext uri="{FF2B5EF4-FFF2-40B4-BE49-F238E27FC236}">
+                <a16:creationId xmlns:a16="http://schemas.microsoft.com/office/drawing/2014/main" id="{1208401E-B8B4-1E21-6AE7-0B03CBD2151A}"/>
+              </a:ext>
+            </a:extLst>
+          </p:cNvPr>
+          <p:cNvSpPr/>
+          <p:nvPr/>
+        </p:nvSpPr>
+        <p:spPr>
+          <a:xfrm>
+            <a:off x="4326266" y="3312713"/>
+            <a:ext cx="3630907" cy="447260"/>
+          </a:xfrm>
+          <a:prstGeom prst="can">
+            <a:avLst>
+              <a:gd name="adj" fmla="val 50000"/>
+            </a:avLst>
+          </a:prstGeom>
+          <a:solidFill>
+            <a:schemeClr val="tx1">
+              <a:lumMod val="50000"/>
+              <a:lumOff val="50000"/>
+            </a:schemeClr>
+          </a:solidFill>
+          <a:ln>
+            <a:solidFill>
+              <a:schemeClr val="bg2">
+                <a:lumMod val="90000"/>
+              </a:schemeClr>
+            </a:solidFill>
+          </a:ln>
+        </p:spPr>
+        <p:style>
+          <a:lnRef idx="2">
+            <a:schemeClr val="accent1">
+              <a:shade val="15000"/>
+            </a:schemeClr>
+          </a:lnRef>
+          <a:fillRef idx="1">
+            <a:schemeClr val="accent1"/>
+          </a:fillRef>
+          <a:effectRef idx="0">
+            <a:schemeClr val="accent1"/>
+          </a:effectRef>
+          <a:fontRef idx="minor">
+            <a:schemeClr val="lt1"/>
+          </a:fontRef>
+        </p:style>
+        <p:txBody>
+          <a:bodyPr rtlCol="0" anchor="ctr"/>
+          <a:lstStyle/>
+          <a:p>
+            <a:pPr algn="ctr"/>
+            <a:endParaRPr lang="en-US"/>
+          </a:p>
+        </p:txBody>
+      </p:sp>
+      <p:sp>
+        <p:nvSpPr>
+          <p:cNvPr id="7" name="Can 6">
+            <a:extLst>
+              <a:ext uri="{FF2B5EF4-FFF2-40B4-BE49-F238E27FC236}">
+                <a16:creationId xmlns:a16="http://schemas.microsoft.com/office/drawing/2014/main" id="{EE51D767-4598-98A8-84D2-C5DD91737AE7}"/>
+              </a:ext>
+            </a:extLst>
+          </p:cNvPr>
+          <p:cNvSpPr/>
+          <p:nvPr/>
+        </p:nvSpPr>
+        <p:spPr>
+          <a:xfrm>
+            <a:off x="4326266" y="922352"/>
+            <a:ext cx="3539467" cy="447260"/>
+          </a:xfrm>
+          <a:prstGeom prst="can">
+            <a:avLst>
+              <a:gd name="adj" fmla="val 50000"/>
+            </a:avLst>
+          </a:prstGeom>
+          <a:solidFill>
+            <a:schemeClr val="tx1">
+              <a:lumMod val="50000"/>
+              <a:lumOff val="50000"/>
+            </a:schemeClr>
+          </a:solidFill>
+          <a:ln>
+            <a:solidFill>
+              <a:schemeClr val="bg2">
+                <a:lumMod val="90000"/>
+              </a:schemeClr>
+            </a:solidFill>
+          </a:ln>
+        </p:spPr>
+        <p:style>
+          <a:lnRef idx="2">
+            <a:schemeClr val="accent1">
+              <a:shade val="15000"/>
+            </a:schemeClr>
+          </a:lnRef>
+          <a:fillRef idx="1">
+            <a:schemeClr val="accent1"/>
+          </a:fillRef>
+          <a:effectRef idx="0">
+            <a:schemeClr val="accent1"/>
+          </a:effectRef>
+          <a:fontRef idx="minor">
+            <a:schemeClr val="lt1"/>
+          </a:fontRef>
+        </p:style>
+        <p:txBody>
+          <a:bodyPr rtlCol="0" anchor="ctr"/>
+          <a:lstStyle/>
+          <a:p>
+            <a:pPr algn="ctr"/>
+            <a:endParaRPr lang="en-US"/>
+          </a:p>
+        </p:txBody>
+      </p:sp>
+      <p:pic>
+        <p:nvPicPr>
+          <p:cNvPr id="9" name="Picture 8">
+            <a:extLst>
+              <a:ext uri="{FF2B5EF4-FFF2-40B4-BE49-F238E27FC236}">
+                <a16:creationId xmlns:a16="http://schemas.microsoft.com/office/drawing/2014/main" id="{BDACA6DE-FC48-0005-E22D-18C877E5DB0D}"/>
+              </a:ext>
+            </a:extLst>
+          </p:cNvPr>
+          <p:cNvPicPr>
+            <a:picLocks noChangeAspect="1"/>
+          </p:cNvPicPr>
+          <p:nvPr/>
+        </p:nvPicPr>
+        <p:blipFill>
+          <a:blip r:embed="rId3"/>
+          <a:stretch>
+            <a:fillRect/>
+          </a:stretch>
+        </p:blipFill>
+        <p:spPr>
+          <a:xfrm>
+            <a:off x="3058207" y="2626385"/>
+            <a:ext cx="876876" cy="1088172"/>
+          </a:xfrm>
+          <a:prstGeom prst="rect">
+            <a:avLst/>
+          </a:prstGeom>
+        </p:spPr>
+      </p:pic>
+      <p:cxnSp>
+        <p:nvCxnSpPr>
+          <p:cNvPr id="10" name="Straight Arrow Connector 9">
+            <a:extLst>
+              <a:ext uri="{FF2B5EF4-FFF2-40B4-BE49-F238E27FC236}">
+                <a16:creationId xmlns:a16="http://schemas.microsoft.com/office/drawing/2014/main" id="{5CBA1778-472C-BB17-9C17-09B02F3B6F09}"/>
+              </a:ext>
+            </a:extLst>
+          </p:cNvPr>
+          <p:cNvCxnSpPr>
+            <a:cxnSpLocks/>
+          </p:cNvCxnSpPr>
+          <p:nvPr/>
+        </p:nvCxnSpPr>
+        <p:spPr>
+          <a:xfrm>
+            <a:off x="7545692" y="2344700"/>
+            <a:ext cx="509451" cy="0"/>
+          </a:xfrm>
+          <a:prstGeom prst="straightConnector1">
+            <a:avLst/>
+          </a:prstGeom>
+          <a:ln w="60325">
+            <a:solidFill>
+              <a:schemeClr val="tx1"/>
+            </a:solidFill>
+            <a:tailEnd type="triangle"/>
+          </a:ln>
+          <a:effectLst>
+            <a:glow rad="127000">
+              <a:schemeClr val="accent6">
+                <a:lumMod val="60000"/>
+                <a:lumOff val="40000"/>
+              </a:schemeClr>
+            </a:glow>
+          </a:effectLst>
+        </p:spPr>
+        <p:style>
+          <a:lnRef idx="1">
+            <a:schemeClr val="dk1"/>
+          </a:lnRef>
+          <a:fillRef idx="0">
+            <a:schemeClr val="dk1"/>
+          </a:fillRef>
+          <a:effectRef idx="0">
+            <a:schemeClr val="dk1"/>
+          </a:effectRef>
+          <a:fontRef idx="minor">
+            <a:schemeClr val="tx1"/>
+          </a:fontRef>
+        </p:style>
+      </p:cxnSp>
+      <mc:AlternateContent xmlns:mc="http://schemas.openxmlformats.org/markup-compatibility/2006">
+        <mc:Choice xmlns:a14="http://schemas.microsoft.com/office/drawing/2010/main" Requires="a14">
+          <p:sp>
+            <p:nvSpPr>
+              <p:cNvPr id="11" name="TextBox 10">
+                <a:extLst>
+                  <a:ext uri="{FF2B5EF4-FFF2-40B4-BE49-F238E27FC236}">
+                    <a16:creationId xmlns:a16="http://schemas.microsoft.com/office/drawing/2014/main" id="{3D78850B-EC68-7580-BA8B-C456D7A7034B}"/>
+                  </a:ext>
+                </a:extLst>
+              </p:cNvPr>
+              <p:cNvSpPr txBox="1"/>
+              <p:nvPr/>
+            </p:nvSpPr>
+            <p:spPr>
+              <a:xfrm>
+                <a:off x="7621508" y="1749135"/>
+                <a:ext cx="283411" cy="430887"/>
+              </a:xfrm>
+              <a:prstGeom prst="rect">
+                <a:avLst/>
+              </a:prstGeom>
+              <a:noFill/>
+            </p:spPr>
+            <p:txBody>
+              <a:bodyPr wrap="square" lIns="0" tIns="0" rIns="0" bIns="0" rtlCol="0">
+                <a:spAutoFit/>
+              </a:bodyPr>
+              <a:lstStyle/>
+              <a:p>
+                <a:pPr/>
+                <a14:m>
+                  <m:oMathPara xmlns:m="http://schemas.openxmlformats.org/officeDocument/2006/math">
+                    <m:oMathParaPr>
+                      <m:jc m:val="centerGroup"/>
+                    </m:oMathParaPr>
+                    <m:oMath xmlns:m="http://schemas.openxmlformats.org/officeDocument/2006/math">
+                      <m:acc>
+                        <m:accPr>
+                          <m:chr m:val="̂"/>
+                          <m:ctrlPr>
+                            <a:rPr lang="en-US" sz="2800" b="0" i="1" smtClean="0">
+                              <a:latin typeface="Cambria Math" panose="02040503050406030204" pitchFamily="18" charset="0"/>
+                            </a:rPr>
+                          </m:ctrlPr>
+                        </m:accPr>
+                        <m:e>
+                          <m:r>
+                            <a:rPr lang="en-US" sz="2800" b="0" i="1" smtClean="0">
+                              <a:latin typeface="Cambria Math" panose="02040503050406030204" pitchFamily="18" charset="0"/>
+                            </a:rPr>
+                            <m:t>𝑒</m:t>
+                          </m:r>
+                        </m:e>
+                      </m:acc>
+                    </m:oMath>
+                  </m:oMathPara>
+                </a14:m>
+                <a:endParaRPr lang="en-US" sz="2800" dirty="0"/>
+              </a:p>
+            </p:txBody>
+          </p:sp>
+        </mc:Choice>
+        <mc:Fallback>
+          <p:sp>
+            <p:nvSpPr>
+              <p:cNvPr id="11" name="TextBox 10">
+                <a:extLst>
+                  <a:ext uri="{FF2B5EF4-FFF2-40B4-BE49-F238E27FC236}">
+                    <a16:creationId xmlns:a16="http://schemas.microsoft.com/office/drawing/2014/main" id="{3D78850B-EC68-7580-BA8B-C456D7A7034B}"/>
+                  </a:ext>
+                </a:extLst>
+              </p:cNvPr>
+              <p:cNvSpPr txBox="1">
+                <a:spLocks noRot="1" noChangeAspect="1" noMove="1" noResize="1" noEditPoints="1" noAdjustHandles="1" noChangeArrowheads="1" noChangeShapeType="1" noTextEdit="1"/>
+              </p:cNvSpPr>
+              <p:nvPr/>
+            </p:nvSpPr>
+            <p:spPr>
+              <a:xfrm>
+                <a:off x="7621508" y="1749135"/>
+                <a:ext cx="283411" cy="430887"/>
+              </a:xfrm>
+              <a:prstGeom prst="rect">
+                <a:avLst/>
+              </a:prstGeom>
+              <a:blipFill>
+                <a:blip r:embed="rId4"/>
+                <a:stretch>
+                  <a:fillRect l="-13043" t="-17143" r="-17391"/>
+                </a:stretch>
+              </a:blipFill>
+            </p:spPr>
+            <p:txBody>
+              <a:bodyPr/>
+              <a:lstStyle/>
+              <a:p>
+                <a:r>
+                  <a:rPr lang="en-US">
+                    <a:noFill/>
+                  </a:rPr>
+                  <a:t> </a:t>
+                </a:r>
+              </a:p>
+            </p:txBody>
+          </p:sp>
+        </mc:Fallback>
+      </mc:AlternateContent>
+      <p:sp>
+        <p:nvSpPr>
+          <p:cNvPr id="12" name="TextBox 11">
+            <a:extLst>
+              <a:ext uri="{FF2B5EF4-FFF2-40B4-BE49-F238E27FC236}">
+                <a16:creationId xmlns:a16="http://schemas.microsoft.com/office/drawing/2014/main" id="{23D389EE-6EC9-0355-6DDF-D9928230F271}"/>
+              </a:ext>
+            </a:extLst>
+          </p:cNvPr>
+          <p:cNvSpPr txBox="1"/>
+          <p:nvPr/>
+        </p:nvSpPr>
+        <p:spPr>
+          <a:xfrm>
+            <a:off x="5511500" y="1385346"/>
+            <a:ext cx="1763486" cy="923330"/>
+          </a:xfrm>
+          <a:prstGeom prst="rect">
+            <a:avLst/>
+          </a:prstGeom>
+          <a:noFill/>
+        </p:spPr>
+        <p:txBody>
+          <a:bodyPr wrap="square" rtlCol="0">
+            <a:spAutoFit/>
+          </a:bodyPr>
+          <a:lstStyle/>
+          <a:p>
+            <a:pPr algn="ctr"/>
+            <a:r>
+              <a:rPr lang="en-US" b="1" dirty="0">
+                <a:solidFill>
+                  <a:srgbClr val="FF0000"/>
+                </a:solidFill>
+              </a:rPr>
+              <a:t>Molecular displacement coordinate</a:t>
+            </a:r>
+          </a:p>
+        </p:txBody>
+      </p:sp>
+    </p:spTree>
+    <p:extLst>
+      <p:ext uri="{BB962C8B-B14F-4D97-AF65-F5344CB8AC3E}">
+        <p14:creationId xmlns:p14="http://schemas.microsoft.com/office/powerpoint/2010/main" val="634410337"/>
+      </p:ext>
+    </p:extLst>
+  </p:cSld>
+  <p:clrMapOvr>
+    <a:masterClrMapping/>
+  </p:clrMapOvr>
+</p:sld>
+</file>
+
 <file path=ppt/theme/theme1.xml><?xml version="1.0" encoding="utf-8"?>
 <a:theme xmlns:a="http://schemas.openxmlformats.org/drawingml/2006/main" name="Office Theme">
   <a:themeElements>

--- a/json_scripts/Molecules_Figures.pptx
+++ b/json_scripts/Molecules_Figures.pptx
@@ -266,7 +266,7 @@
           <a:p>
             <a:fld id="{DEB12F8E-F915-1A4B-822E-B932D383B8B3}" type="datetimeFigureOut">
               <a:rPr lang="en-US" smtClean="0"/>
-              <a:t>7/3/24</a:t>
+              <a:t>10/16/24</a:t>
             </a:fld>
             <a:endParaRPr lang="en-US"/>
           </a:p>
@@ -464,7 +464,7 @@
           <a:p>
             <a:fld id="{DEB12F8E-F915-1A4B-822E-B932D383B8B3}" type="datetimeFigureOut">
               <a:rPr lang="en-US" smtClean="0"/>
-              <a:t>7/3/24</a:t>
+              <a:t>10/16/24</a:t>
             </a:fld>
             <a:endParaRPr lang="en-US"/>
           </a:p>
@@ -672,7 +672,7 @@
           <a:p>
             <a:fld id="{DEB12F8E-F915-1A4B-822E-B932D383B8B3}" type="datetimeFigureOut">
               <a:rPr lang="en-US" smtClean="0"/>
-              <a:t>7/3/24</a:t>
+              <a:t>10/16/24</a:t>
             </a:fld>
             <a:endParaRPr lang="en-US"/>
           </a:p>
@@ -870,7 +870,7 @@
           <a:p>
             <a:fld id="{DEB12F8E-F915-1A4B-822E-B932D383B8B3}" type="datetimeFigureOut">
               <a:rPr lang="en-US" smtClean="0"/>
-              <a:t>7/3/24</a:t>
+              <a:t>10/16/24</a:t>
             </a:fld>
             <a:endParaRPr lang="en-US"/>
           </a:p>
@@ -1145,7 +1145,7 @@
           <a:p>
             <a:fld id="{DEB12F8E-F915-1A4B-822E-B932D383B8B3}" type="datetimeFigureOut">
               <a:rPr lang="en-US" smtClean="0"/>
-              <a:t>7/3/24</a:t>
+              <a:t>10/16/24</a:t>
             </a:fld>
             <a:endParaRPr lang="en-US"/>
           </a:p>
@@ -1410,7 +1410,7 @@
           <a:p>
             <a:fld id="{DEB12F8E-F915-1A4B-822E-B932D383B8B3}" type="datetimeFigureOut">
               <a:rPr lang="en-US" smtClean="0"/>
-              <a:t>7/3/24</a:t>
+              <a:t>10/16/24</a:t>
             </a:fld>
             <a:endParaRPr lang="en-US"/>
           </a:p>
@@ -1822,7 +1822,7 @@
           <a:p>
             <a:fld id="{DEB12F8E-F915-1A4B-822E-B932D383B8B3}" type="datetimeFigureOut">
               <a:rPr lang="en-US" smtClean="0"/>
-              <a:t>7/3/24</a:t>
+              <a:t>10/16/24</a:t>
             </a:fld>
             <a:endParaRPr lang="en-US"/>
           </a:p>
@@ -1963,7 +1963,7 @@
           <a:p>
             <a:fld id="{DEB12F8E-F915-1A4B-822E-B932D383B8B3}" type="datetimeFigureOut">
               <a:rPr lang="en-US" smtClean="0"/>
-              <a:t>7/3/24</a:t>
+              <a:t>10/16/24</a:t>
             </a:fld>
             <a:endParaRPr lang="en-US"/>
           </a:p>
@@ -2076,7 +2076,7 @@
           <a:p>
             <a:fld id="{DEB12F8E-F915-1A4B-822E-B932D383B8B3}" type="datetimeFigureOut">
               <a:rPr lang="en-US" smtClean="0"/>
-              <a:t>7/3/24</a:t>
+              <a:t>10/16/24</a:t>
             </a:fld>
             <a:endParaRPr lang="en-US"/>
           </a:p>
@@ -2387,7 +2387,7 @@
           <a:p>
             <a:fld id="{DEB12F8E-F915-1A4B-822E-B932D383B8B3}" type="datetimeFigureOut">
               <a:rPr lang="en-US" smtClean="0"/>
-              <a:t>7/3/24</a:t>
+              <a:t>10/16/24</a:t>
             </a:fld>
             <a:endParaRPr lang="en-US"/>
           </a:p>
@@ -2675,7 +2675,7 @@
           <a:p>
             <a:fld id="{DEB12F8E-F915-1A4B-822E-B932D383B8B3}" type="datetimeFigureOut">
               <a:rPr lang="en-US" smtClean="0"/>
-              <a:t>7/3/24</a:t>
+              <a:t>10/16/24</a:t>
             </a:fld>
             <a:endParaRPr lang="en-US"/>
           </a:p>
@@ -2916,7 +2916,7 @@
           <a:p>
             <a:fld id="{DEB12F8E-F915-1A4B-822E-B932D383B8B3}" type="datetimeFigureOut">
               <a:rPr lang="en-US" smtClean="0"/>
-              <a:t>7/3/24</a:t>
+              <a:t>10/16/24</a:t>
             </a:fld>
             <a:endParaRPr lang="en-US"/>
           </a:p>
@@ -4942,8 +4942,8 @@
           </a:prstGeom>
         </p:spPr>
       </p:pic>
-      <mc:AlternateContent xmlns:mc="http://schemas.openxmlformats.org/markup-compatibility/2006" xmlns:a14="http://schemas.microsoft.com/office/drawing/2010/main">
-        <mc:Choice Requires="a14">
+      <mc:AlternateContent xmlns:mc="http://schemas.openxmlformats.org/markup-compatibility/2006">
+        <mc:Choice xmlns:a14="http://schemas.microsoft.com/office/drawing/2010/main" Requires="a14">
           <p:sp>
             <p:nvSpPr>
               <p:cNvPr id="3" name="TextBox 2">
@@ -4995,7 +4995,7 @@
                         <a:rPr lang="en-US" b="0" i="1" smtClean="0">
                           <a:latin typeface="Cambria Math" panose="02040503050406030204" pitchFamily="18" charset="0"/>
                         </a:rPr>
-                        <m:t>=3.29 </m:t>
+                        <m:t>=3.28 </m:t>
                       </m:r>
                       <m:r>
                         <a:rPr lang="en-US" b="0" i="1" smtClean="0">
@@ -5070,7 +5070,7 @@
             </p:txBody>
           </p:sp>
         </mc:Choice>
-        <mc:Fallback xmlns="">
+        <mc:Fallback>
           <p:sp>
             <p:nvSpPr>
               <p:cNvPr id="3" name="TextBox 2">
@@ -8042,8 +8042,8 @@
           </a:fontRef>
         </p:style>
       </p:cxnSp>
-      <mc:AlternateContent xmlns:mc="http://schemas.openxmlformats.org/markup-compatibility/2006">
-        <mc:Choice xmlns:a14="http://schemas.microsoft.com/office/drawing/2010/main" Requires="a14">
+      <mc:AlternateContent xmlns:mc="http://schemas.openxmlformats.org/markup-compatibility/2006" xmlns:a14="http://schemas.microsoft.com/office/drawing/2010/main">
+        <mc:Choice Requires="a14">
           <p:sp>
             <p:nvSpPr>
               <p:cNvPr id="11" name="TextBox 10">
@@ -8105,7 +8105,7 @@
             </p:txBody>
           </p:sp>
         </mc:Choice>
-        <mc:Fallback>
+        <mc:Fallback xmlns="">
           <p:sp>
             <p:nvSpPr>
               <p:cNvPr id="11" name="TextBox 10">
